--- a/week_9/Model-View-Controller Architecture.pptx
+++ b/week_9/Model-View-Controller Architecture.pptx
@@ -214,7 +214,7 @@
           <a:p>
             <a:fld id="{F666E1FD-E7A0-497B-BBC0-740BAAC97C64}" type="datetimeFigureOut">
               <a:rPr lang="en-PH" smtClean="0"/>
-              <a:t>5/19/23</a:t>
+              <a:t>22/05/2023</a:t>
             </a:fld>
             <a:endParaRPr lang="en-PH"/>
           </a:p>
@@ -1471,7 +1471,7 @@
           <a:p>
             <a:fld id="{0CCF0B81-6BD8-4C65-9459-815598C5F1F4}" type="datetimeFigureOut">
               <a:rPr lang="en-PH" smtClean="0"/>
-              <a:t>5/19/23</a:t>
+              <a:t>22/05/2023</a:t>
             </a:fld>
             <a:endParaRPr lang="en-PH"/>
           </a:p>
@@ -1671,7 +1671,7 @@
           <a:p>
             <a:fld id="{0CCF0B81-6BD8-4C65-9459-815598C5F1F4}" type="datetimeFigureOut">
               <a:rPr lang="en-PH" smtClean="0"/>
-              <a:t>5/19/23</a:t>
+              <a:t>22/05/2023</a:t>
             </a:fld>
             <a:endParaRPr lang="en-PH"/>
           </a:p>
@@ -1881,7 +1881,7 @@
           <a:p>
             <a:fld id="{0CCF0B81-6BD8-4C65-9459-815598C5F1F4}" type="datetimeFigureOut">
               <a:rPr lang="en-PH" smtClean="0"/>
-              <a:t>5/19/23</a:t>
+              <a:t>22/05/2023</a:t>
             </a:fld>
             <a:endParaRPr lang="en-PH"/>
           </a:p>
@@ -2081,7 +2081,7 @@
           <a:p>
             <a:fld id="{0CCF0B81-6BD8-4C65-9459-815598C5F1F4}" type="datetimeFigureOut">
               <a:rPr lang="en-PH" smtClean="0"/>
-              <a:t>5/19/23</a:t>
+              <a:t>22/05/2023</a:t>
             </a:fld>
             <a:endParaRPr lang="en-PH"/>
           </a:p>
@@ -2357,7 +2357,7 @@
           <a:p>
             <a:fld id="{0CCF0B81-6BD8-4C65-9459-815598C5F1F4}" type="datetimeFigureOut">
               <a:rPr lang="en-PH" smtClean="0"/>
-              <a:t>5/19/23</a:t>
+              <a:t>22/05/2023</a:t>
             </a:fld>
             <a:endParaRPr lang="en-PH"/>
           </a:p>
@@ -2625,7 +2625,7 @@
           <a:p>
             <a:fld id="{0CCF0B81-6BD8-4C65-9459-815598C5F1F4}" type="datetimeFigureOut">
               <a:rPr lang="en-PH" smtClean="0"/>
-              <a:t>5/19/23</a:t>
+              <a:t>22/05/2023</a:t>
             </a:fld>
             <a:endParaRPr lang="en-PH"/>
           </a:p>
@@ -3040,7 +3040,7 @@
           <a:p>
             <a:fld id="{0CCF0B81-6BD8-4C65-9459-815598C5F1F4}" type="datetimeFigureOut">
               <a:rPr lang="en-PH" smtClean="0"/>
-              <a:t>5/19/23</a:t>
+              <a:t>22/05/2023</a:t>
             </a:fld>
             <a:endParaRPr lang="en-PH"/>
           </a:p>
@@ -3182,7 +3182,7 @@
           <a:p>
             <a:fld id="{0CCF0B81-6BD8-4C65-9459-815598C5F1F4}" type="datetimeFigureOut">
               <a:rPr lang="en-PH" smtClean="0"/>
-              <a:t>5/19/23</a:t>
+              <a:t>22/05/2023</a:t>
             </a:fld>
             <a:endParaRPr lang="en-PH"/>
           </a:p>
@@ -3295,7 +3295,7 @@
           <a:p>
             <a:fld id="{0CCF0B81-6BD8-4C65-9459-815598C5F1F4}" type="datetimeFigureOut">
               <a:rPr lang="en-PH" smtClean="0"/>
-              <a:t>5/19/23</a:t>
+              <a:t>22/05/2023</a:t>
             </a:fld>
             <a:endParaRPr lang="en-PH"/>
           </a:p>
@@ -3608,7 +3608,7 @@
           <a:p>
             <a:fld id="{0CCF0B81-6BD8-4C65-9459-815598C5F1F4}" type="datetimeFigureOut">
               <a:rPr lang="en-PH" smtClean="0"/>
-              <a:t>5/19/23</a:t>
+              <a:t>22/05/2023</a:t>
             </a:fld>
             <a:endParaRPr lang="en-PH"/>
           </a:p>
@@ -3897,7 +3897,7 @@
           <a:p>
             <a:fld id="{0CCF0B81-6BD8-4C65-9459-815598C5F1F4}" type="datetimeFigureOut">
               <a:rPr lang="en-PH" smtClean="0"/>
-              <a:t>5/19/23</a:t>
+              <a:t>22/05/2023</a:t>
             </a:fld>
             <a:endParaRPr lang="en-PH"/>
           </a:p>
@@ -4140,7 +4140,7 @@
           <a:p>
             <a:fld id="{0CCF0B81-6BD8-4C65-9459-815598C5F1F4}" type="datetimeFigureOut">
               <a:rPr lang="en-PH" smtClean="0"/>
-              <a:t>5/19/23</a:t>
+              <a:t>22/05/2023</a:t>
             </a:fld>
             <a:endParaRPr lang="en-PH"/>
           </a:p>
@@ -5038,6 +5038,44 @@
               <a:buFont typeface="Wingdings" panose="05000000000000000000" pitchFamily="2" charset="2"/>
               <a:buChar char="§"/>
             </a:pPr>
+            <a:r>
+              <a:rPr lang="en-PH" sz="2400" b="0" i="0" u="none" strike="noStrike" dirty="0">
+                <a:solidFill>
+                  <a:srgbClr val="000000"/>
+                </a:solidFill>
+                <a:effectLst/>
+                <a:latin typeface="+mn-lt"/>
+              </a:rPr>
+              <a:t>In the context of JavaFX, this layer contains all </a:t>
+            </a:r>
+            <a:r>
+              <a:rPr lang="en-PH" sz="2400" b="1" dirty="0">
+                <a:solidFill>
+                  <a:srgbClr val="0070C0"/>
+                </a:solidFill>
+                <a:latin typeface="+mn-lt"/>
+              </a:rPr>
+              <a:t>controller</a:t>
+            </a:r>
+            <a:r>
+              <a:rPr lang="en-PH" sz="2400" b="1" i="0" u="none" strike="noStrike" dirty="0">
+                <a:solidFill>
+                  <a:srgbClr val="0070C0"/>
+                </a:solidFill>
+                <a:effectLst/>
+                <a:latin typeface="+mn-lt"/>
+              </a:rPr>
+              <a:t> files.</a:t>
+            </a:r>
+          </a:p>
+          <a:p>
+            <a:pPr marL="342900" indent="-342900" algn="l">
+              <a:lnSpc>
+                <a:spcPct val="100000"/>
+              </a:lnSpc>
+              <a:buFont typeface="Wingdings" panose="05000000000000000000" pitchFamily="2" charset="2"/>
+              <a:buChar char="§"/>
+            </a:pPr>
             <a:endParaRPr lang="en-PH" sz="2400" b="0" i="0" u="none" strike="noStrike" dirty="0">
               <a:solidFill>
                 <a:srgbClr val="000000"/>
@@ -5053,19 +5091,6 @@
               </a:lnSpc>
               <a:buFont typeface="Wingdings" panose="05000000000000000000" pitchFamily="2" charset="2"/>
               <a:buChar char="§"/>
-            </a:pPr>
-            <a:endParaRPr lang="en-PH" sz="2400" dirty="0">
-              <a:solidFill>
-                <a:srgbClr val="000000"/>
-              </a:solidFill>
-              <a:latin typeface="+mn-lt"/>
-            </a:endParaRPr>
-          </a:p>
-          <a:p>
-            <a:pPr algn="l">
-              <a:lnSpc>
-                <a:spcPct val="100000"/>
-              </a:lnSpc>
             </a:pPr>
             <a:endParaRPr lang="en-PH" sz="2400" dirty="0">
               <a:solidFill>
@@ -6434,7 +6459,7 @@
         </p:spPr>
         <p:txBody>
           <a:bodyPr vert="horz" lIns="91440" tIns="45720" rIns="91440" bIns="45720" rtlCol="0" anchor="b">
-            <a:normAutofit fontScale="97500"/>
+            <a:normAutofit fontScale="97500" lnSpcReduction="10000"/>
           </a:bodyPr>
           <a:lstStyle>
             <a:lvl1pPr algn="ctr" defTabSz="914400" rtl="0" eaLnBrk="1" latinLnBrk="0" hangingPunct="1">
@@ -6618,6 +6643,61 @@
               <a:buFont typeface="Wingdings" panose="05000000000000000000" pitchFamily="2" charset="2"/>
               <a:buChar char="§"/>
             </a:pPr>
+            <a:r>
+              <a:rPr lang="en-PH" sz="2400" b="0" i="0" u="none" strike="noStrike" dirty="0">
+                <a:solidFill>
+                  <a:srgbClr val="000000"/>
+                </a:solidFill>
+                <a:effectLst/>
+                <a:latin typeface="+mn-lt"/>
+              </a:rPr>
+              <a:t>In the context of JavaFX, this layer contains all </a:t>
+            </a:r>
+            <a:r>
+              <a:rPr lang="en-PH" sz="2400" b="1" i="0" u="none" strike="noStrike">
+                <a:solidFill>
+                  <a:srgbClr val="0070C0"/>
+                </a:solidFill>
+                <a:effectLst/>
+                <a:latin typeface="+mn-lt"/>
+              </a:rPr>
+              <a:t>classes and interfaces</a:t>
+            </a:r>
+            <a:r>
+              <a:rPr lang="en-PH" sz="2400" b="1" i="0" u="none" strike="noStrike" dirty="0">
+                <a:solidFill>
+                  <a:srgbClr val="0070C0"/>
+                </a:solidFill>
+                <a:effectLst/>
+                <a:latin typeface="+mn-lt"/>
+              </a:rPr>
+              <a:t>.</a:t>
+            </a:r>
+          </a:p>
+          <a:p>
+            <a:pPr marL="342900" indent="-342900" algn="l">
+              <a:lnSpc>
+                <a:spcPct val="100000"/>
+              </a:lnSpc>
+              <a:buFont typeface="Wingdings" panose="05000000000000000000" pitchFamily="2" charset="2"/>
+              <a:buChar char="§"/>
+            </a:pPr>
+            <a:endParaRPr lang="en-PH" sz="2400" b="0" i="0" u="none" strike="noStrike" dirty="0">
+              <a:solidFill>
+                <a:srgbClr val="000000"/>
+              </a:solidFill>
+              <a:effectLst/>
+              <a:latin typeface="+mn-lt"/>
+            </a:endParaRPr>
+          </a:p>
+          <a:p>
+            <a:pPr marL="342900" indent="-342900" algn="l">
+              <a:lnSpc>
+                <a:spcPct val="100000"/>
+              </a:lnSpc>
+              <a:buFont typeface="Wingdings" panose="05000000000000000000" pitchFamily="2" charset="2"/>
+              <a:buChar char="§"/>
+            </a:pPr>
             <a:endParaRPr lang="en-PH" sz="2400" dirty="0">
               <a:solidFill>
                 <a:srgbClr val="000000"/>
@@ -6686,24 +6766,17 @@
             </a:endParaRPr>
           </a:p>
           <a:p>
-            <a:pPr algn="l">
-              <a:lnSpc>
-                <a:spcPct val="100000"/>
-              </a:lnSpc>
+            <a:pPr marL="342900" indent="-342900" algn="l">
+              <a:lnSpc>
+                <a:spcPct val="100000"/>
+              </a:lnSpc>
+              <a:buFont typeface="Wingdings" panose="05000000000000000000" pitchFamily="2" charset="2"/>
+              <a:buChar char="§"/>
             </a:pPr>
             <a:endParaRPr lang="en-PH" sz="2400" dirty="0">
-              <a:latin typeface="+mn-lt"/>
-            </a:endParaRPr>
-          </a:p>
-          <a:p>
-            <a:pPr marL="342900" indent="-342900" algn="l">
-              <a:lnSpc>
-                <a:spcPct val="100000"/>
-              </a:lnSpc>
-              <a:buFont typeface="Wingdings" panose="05000000000000000000" pitchFamily="2" charset="2"/>
-              <a:buChar char="§"/>
-            </a:pPr>
-            <a:endParaRPr lang="en-PH" sz="2400" dirty="0">
+              <a:solidFill>
+                <a:srgbClr val="000000"/>
+              </a:solidFill>
               <a:latin typeface="+mn-lt"/>
             </a:endParaRPr>
           </a:p>
@@ -7234,7 +7307,7 @@
         </p:spPr>
         <p:txBody>
           <a:bodyPr vert="horz" lIns="91440" tIns="45720" rIns="91440" bIns="45720" rtlCol="0" anchor="b">
-            <a:normAutofit fontScale="97500" lnSpcReduction="10000"/>
+            <a:normAutofit fontScale="90000" lnSpcReduction="20000"/>
           </a:bodyPr>
           <a:lstStyle>
             <a:lvl1pPr algn="ctr" defTabSz="914400" rtl="0" eaLnBrk="1" latinLnBrk="0" hangingPunct="1">
@@ -7427,6 +7500,61 @@
                 <a:latin typeface="+mn-lt"/>
               </a:rPr>
               <a:t>The view renders the contents of a model. It specifies exactly how the model data should be presented.</a:t>
+            </a:r>
+          </a:p>
+          <a:p>
+            <a:pPr marL="342900" indent="-342900" algn="l">
+              <a:lnSpc>
+                <a:spcPct val="100000"/>
+              </a:lnSpc>
+              <a:buFont typeface="Wingdings" panose="05000000000000000000" pitchFamily="2" charset="2"/>
+              <a:buChar char="§"/>
+            </a:pPr>
+            <a:endParaRPr lang="en-PH" sz="2400" b="0" i="0" u="none" strike="noStrike" dirty="0">
+              <a:solidFill>
+                <a:srgbClr val="000000"/>
+              </a:solidFill>
+              <a:effectLst/>
+              <a:latin typeface="+mn-lt"/>
+            </a:endParaRPr>
+          </a:p>
+          <a:p>
+            <a:pPr marL="342900" indent="-342900" algn="l">
+              <a:lnSpc>
+                <a:spcPct val="100000"/>
+              </a:lnSpc>
+              <a:buFont typeface="Wingdings" panose="05000000000000000000" pitchFamily="2" charset="2"/>
+              <a:buChar char="§"/>
+            </a:pPr>
+            <a:r>
+              <a:rPr lang="en-PH" sz="2400" b="0" i="0" u="none" strike="noStrike" dirty="0">
+                <a:solidFill>
+                  <a:srgbClr val="000000"/>
+                </a:solidFill>
+                <a:effectLst/>
+                <a:latin typeface="+mn-lt"/>
+              </a:rPr>
+              <a:t>In the context of JavaFX, this layer contains all </a:t>
+            </a:r>
+            <a:r>
+              <a:rPr lang="en-PH" sz="2400" b="1" i="0" u="none" strike="noStrike" dirty="0" err="1">
+                <a:solidFill>
+                  <a:srgbClr val="0070C0"/>
+                </a:solidFill>
+                <a:effectLst/>
+                <a:latin typeface="+mn-lt"/>
+              </a:rPr>
+              <a:t>fxml</a:t>
+            </a:r>
+            <a:r>
+              <a:rPr lang="en-PH" sz="2400" b="1" i="0" u="none" strike="noStrike" dirty="0">
+                <a:solidFill>
+                  <a:srgbClr val="0070C0"/>
+                </a:solidFill>
+                <a:effectLst/>
+                <a:latin typeface="+mn-lt"/>
+              </a:rPr>
+              <a:t> files.</a:t>
             </a:r>
           </a:p>
           <a:p>
